--- a/docs/burger-backend-assignment-presentation.pptx
+++ b/docs/burger-backend-assignment-presentation.pptx
@@ -170,7 +170,7 @@
   <pc:docChgLst>
     <pc:chgData name="Balogh Tamás" userId="2e930429-35dd-4f88-9d38-8bece00dfb24" providerId="ADAL" clId="{6C9ECCED-8FBC-4150-995C-4ABB2DC6FA0F}"/>
     <pc:docChg chg="undo custSel addSld modSld sldOrd">
-      <pc:chgData name="Balogh Tamás" userId="2e930429-35dd-4f88-9d38-8bece00dfb24" providerId="ADAL" clId="{6C9ECCED-8FBC-4150-995C-4ABB2DC6FA0F}" dt="2022-10-07T11:26:16.622" v="834" actId="208"/>
+      <pc:chgData name="Balogh Tamás" userId="2e930429-35dd-4f88-9d38-8bece00dfb24" providerId="ADAL" clId="{6C9ECCED-8FBC-4150-995C-4ABB2DC6FA0F}" dt="2022-10-11T09:07:07" v="954" actId="20577"/>
       <pc:docMkLst>
         <pc:docMk/>
       </pc:docMkLst>
@@ -229,7 +229,7 @@
         </pc:spChg>
       </pc:sldChg>
       <pc:sldChg chg="modSp mod">
-        <pc:chgData name="Balogh Tamás" userId="2e930429-35dd-4f88-9d38-8bece00dfb24" providerId="ADAL" clId="{6C9ECCED-8FBC-4150-995C-4ABB2DC6FA0F}" dt="2022-10-07T11:22:13.993" v="831" actId="20577"/>
+        <pc:chgData name="Balogh Tamás" userId="2e930429-35dd-4f88-9d38-8bece00dfb24" providerId="ADAL" clId="{6C9ECCED-8FBC-4150-995C-4ABB2DC6FA0F}" dt="2022-10-11T09:07:07" v="954" actId="20577"/>
         <pc:sldMkLst>
           <pc:docMk/>
           <pc:sldMk cId="2244932480" sldId="797"/>
@@ -243,7 +243,7 @@
           </ac:spMkLst>
         </pc:spChg>
         <pc:spChg chg="mod">
-          <ac:chgData name="Balogh Tamás" userId="2e930429-35dd-4f88-9d38-8bece00dfb24" providerId="ADAL" clId="{6C9ECCED-8FBC-4150-995C-4ABB2DC6FA0F}" dt="2022-10-07T11:22:13.993" v="831" actId="20577"/>
+          <ac:chgData name="Balogh Tamás" userId="2e930429-35dd-4f88-9d38-8bece00dfb24" providerId="ADAL" clId="{6C9ECCED-8FBC-4150-995C-4ABB2DC6FA0F}" dt="2022-10-11T09:07:07" v="954" actId="20577"/>
           <ac:spMkLst>
             <pc:docMk/>
             <pc:sldMk cId="2244932480" sldId="797"/>
@@ -460,7 +460,7 @@
               <a:pPr>
                 <a:defRPr/>
               </a:pPr>
-              <a:t>10/7/2022</a:t>
+              <a:t>10/11/2022</a:t>
             </a:fld>
             <a:endParaRPr lang="en-US">
               <a:latin typeface="Cera Pro" pitchFamily="2" charset="0"/>
@@ -692,7 +692,7 @@
               <a:pPr>
                 <a:defRPr/>
               </a:pPr>
-              <a:t>10/7/2022</a:t>
+              <a:t>10/11/2022</a:t>
             </a:fld>
             <a:endParaRPr lang="en-US"/>
           </a:p>
@@ -12232,7 +12232,7 @@
         <p:spPr>
           <a:xfrm>
             <a:off x="576775" y="766689"/>
-            <a:ext cx="8480504" cy="3925627"/>
+            <a:ext cx="8480504" cy="4205704"/>
           </a:xfrm>
           <a:prstGeom prst="rect">
             <a:avLst/>
@@ -13000,31 +13000,19 @@
               <a:rPr lang="hu-HU" sz="1200" dirty="0">
                 <a:latin typeface="+mn-lt"/>
               </a:rPr>
-              <a:t> in-</a:t>
-            </a:r>
-            <a:r>
-              <a:rPr lang="hu-HU" sz="1200" dirty="0" err="1">
-                <a:latin typeface="+mn-lt"/>
-              </a:rPr>
-              <a:t>memory</a:t>
-            </a:r>
-            <a:r>
-              <a:rPr lang="hu-HU" sz="1200" dirty="0">
-                <a:latin typeface="+mn-lt"/>
-              </a:rPr>
               <a:t> </a:t>
             </a:r>
             <a:r>
               <a:rPr lang="hu-HU" sz="1200" dirty="0" err="1">
                 <a:latin typeface="+mn-lt"/>
               </a:rPr>
-              <a:t>databases</a:t>
-            </a:r>
-            <a:r>
-              <a:rPr lang="hu-HU" sz="1200" dirty="0">
-                <a:latin typeface="+mn-lt"/>
-              </a:rPr>
-              <a:t>) </a:t>
+              <a:t>CosmosDB</a:t>
+            </a:r>
+            <a:r>
+              <a:rPr lang="hu-HU" sz="1200" dirty="0">
+                <a:latin typeface="+mn-lt"/>
+              </a:rPr>
+              <a:t> emulator) </a:t>
             </a:r>
           </a:p>
           <a:p>
@@ -13093,30 +13081,6 @@
               <a:rPr lang="hu-HU" sz="1200" dirty="0" err="1">
                 <a:latin typeface="+mn-lt"/>
               </a:rPr>
-              <a:t>size</a:t>
-            </a:r>
-            <a:r>
-              <a:rPr lang="hu-HU" sz="1200" dirty="0">
-                <a:latin typeface="+mn-lt"/>
-              </a:rPr>
-              <a:t> limit </a:t>
-            </a:r>
-            <a:r>
-              <a:rPr lang="hu-HU" sz="1200" dirty="0" err="1">
-                <a:latin typeface="+mn-lt"/>
-              </a:rPr>
-              <a:t>or</a:t>
-            </a:r>
-            <a:r>
-              <a:rPr lang="hu-HU" sz="1200" dirty="0">
-                <a:latin typeface="+mn-lt"/>
-              </a:rPr>
-              <a:t> </a:t>
-            </a:r>
-            <a:r>
-              <a:rPr lang="hu-HU" sz="1200" dirty="0" err="1">
-                <a:latin typeface="+mn-lt"/>
-              </a:rPr>
               <a:t>automatic</a:t>
             </a:r>
             <a:r>
@@ -13209,6 +13173,117 @@
             <a:endParaRPr lang="hu-HU" sz="1200" dirty="0">
               <a:latin typeface="+mn-lt"/>
             </a:endParaRPr>
+          </a:p>
+          <a:p>
+            <a:pPr marL="171450" indent="-171450" algn="l">
+              <a:lnSpc>
+                <a:spcPct val="110000"/>
+              </a:lnSpc>
+              <a:spcBef>
+                <a:spcPts val="600"/>
+              </a:spcBef>
+              <a:buFontTx/>
+              <a:buChar char="-"/>
+            </a:pPr>
+            <a:r>
+              <a:rPr lang="hu-HU" sz="1200" dirty="0">
+                <a:latin typeface="+mn-lt"/>
+              </a:rPr>
+              <a:t>Add more </a:t>
+            </a:r>
+            <a:r>
+              <a:rPr lang="hu-HU" sz="1200" dirty="0" err="1">
+                <a:latin typeface="+mn-lt"/>
+              </a:rPr>
+              <a:t>logging</a:t>
+            </a:r>
+            <a:r>
+              <a:rPr lang="hu-HU" sz="1200" dirty="0">
+                <a:latin typeface="+mn-lt"/>
+              </a:rPr>
+              <a:t> </a:t>
+            </a:r>
+            <a:r>
+              <a:rPr lang="hu-HU" sz="1200" dirty="0" err="1">
+                <a:latin typeface="+mn-lt"/>
+              </a:rPr>
+              <a:t>about</a:t>
+            </a:r>
+            <a:r>
+              <a:rPr lang="hu-HU" sz="1200" dirty="0">
+                <a:latin typeface="+mn-lt"/>
+              </a:rPr>
+              <a:t> </a:t>
+            </a:r>
+            <a:r>
+              <a:rPr lang="hu-HU" sz="1200" dirty="0" err="1">
+                <a:latin typeface="+mn-lt"/>
+              </a:rPr>
+              <a:t>usage</a:t>
+            </a:r>
+            <a:endParaRPr lang="hu-HU" sz="1200" dirty="0">
+              <a:latin typeface="+mn-lt"/>
+            </a:endParaRPr>
+          </a:p>
+          <a:p>
+            <a:pPr marL="171450" indent="-171450" algn="l">
+              <a:lnSpc>
+                <a:spcPct val="110000"/>
+              </a:lnSpc>
+              <a:spcBef>
+                <a:spcPts val="600"/>
+              </a:spcBef>
+              <a:buFontTx/>
+              <a:buChar char="-"/>
+            </a:pPr>
+            <a:r>
+              <a:rPr lang="hu-HU" sz="1200" dirty="0" err="1">
+                <a:latin typeface="+mn-lt"/>
+              </a:rPr>
+              <a:t>Partition</a:t>
+            </a:r>
+            <a:r>
+              <a:rPr lang="hu-HU" sz="1200" dirty="0">
+                <a:latin typeface="+mn-lt"/>
+              </a:rPr>
+              <a:t> </a:t>
+            </a:r>
+            <a:r>
+              <a:rPr lang="hu-HU" sz="1200" dirty="0" err="1">
+                <a:latin typeface="+mn-lt"/>
+              </a:rPr>
+              <a:t>keys</a:t>
+            </a:r>
+            <a:r>
+              <a:rPr lang="hu-HU" sz="1200" dirty="0">
+                <a:latin typeface="+mn-lt"/>
+              </a:rPr>
+              <a:t> </a:t>
+            </a:r>
+            <a:r>
+              <a:rPr lang="hu-HU" sz="1200" dirty="0" err="1">
+                <a:latin typeface="+mn-lt"/>
+              </a:rPr>
+              <a:t>based</a:t>
+            </a:r>
+            <a:r>
+              <a:rPr lang="hu-HU" sz="1200" dirty="0">
+                <a:latin typeface="+mn-lt"/>
+              </a:rPr>
+              <a:t> </a:t>
+            </a:r>
+            <a:r>
+              <a:rPr lang="hu-HU" sz="1200" dirty="0" err="1">
+                <a:latin typeface="+mn-lt"/>
+              </a:rPr>
+              <a:t>on</a:t>
+            </a:r>
+            <a:r>
+              <a:rPr lang="hu-HU" sz="1200" dirty="0">
+                <a:latin typeface="+mn-lt"/>
+              </a:rPr>
+              <a:t> Restaurant</a:t>
+            </a:r>
           </a:p>
           <a:p>
             <a:pPr marL="171450" indent="-171450" algn="l">
@@ -13348,63 +13423,6 @@
               <a:t>taste</a:t>
             </a:r>
             <a:endParaRPr lang="hu-HU" sz="1200" dirty="0">
-              <a:latin typeface="+mn-lt"/>
-            </a:endParaRPr>
-          </a:p>
-          <a:p>
-            <a:pPr marL="628650" lvl="1" indent="-171450">
-              <a:lnSpc>
-                <a:spcPct val="110000"/>
-              </a:lnSpc>
-              <a:spcBef>
-                <a:spcPts val="600"/>
-              </a:spcBef>
-              <a:buFontTx/>
-              <a:buChar char="-"/>
-            </a:pPr>
-            <a:r>
-              <a:rPr lang="hu-HU" sz="1200" dirty="0" err="1">
-                <a:latin typeface="+mn-lt"/>
-              </a:rPr>
-              <a:t>Gathering</a:t>
-            </a:r>
-            <a:r>
-              <a:rPr lang="hu-HU" sz="1200" dirty="0">
-                <a:latin typeface="+mn-lt"/>
-              </a:rPr>
-              <a:t> of </a:t>
-            </a:r>
-            <a:r>
-              <a:rPr lang="hu-HU" sz="1200" dirty="0" err="1">
-                <a:latin typeface="+mn-lt"/>
-              </a:rPr>
-              <a:t>anonimized</a:t>
-            </a:r>
-            <a:r>
-              <a:rPr lang="hu-HU" sz="1200" dirty="0">
-                <a:latin typeface="+mn-lt"/>
-              </a:rPr>
-              <a:t> </a:t>
-            </a:r>
-            <a:r>
-              <a:rPr lang="hu-HU" sz="1200" dirty="0" err="1">
-                <a:latin typeface="+mn-lt"/>
-              </a:rPr>
-              <a:t>usage</a:t>
-            </a:r>
-            <a:r>
-              <a:rPr lang="hu-HU" sz="1200" dirty="0">
-                <a:latin typeface="+mn-lt"/>
-              </a:rPr>
-              <a:t> </a:t>
-            </a:r>
-            <a:r>
-              <a:rPr lang="hu-HU" sz="1200" dirty="0" err="1">
-                <a:latin typeface="+mn-lt"/>
-              </a:rPr>
-              <a:t>statistics</a:t>
-            </a:r>
-            <a:endParaRPr lang="en-US" sz="1200" dirty="0">
               <a:latin typeface="+mn-lt"/>
             </a:endParaRPr>
           </a:p>
